--- a/images/dataflow.pptx
+++ b/images/dataflow.pptx
@@ -104,6 +104,11 @@
       </a:defRPr>
     </a:lvl9pPr>
   </p:defaultTextStyle>
+  <p:extLst>
+    <p:ext uri="{EFAFB233-063F-42B5-8137-9DF3F51BA10A}">
+      <p15:sldGuideLst xmlns:p15="http://schemas.microsoft.com/office/powerpoint/2012/main"/>
+    </p:ext>
+  </p:extLst>
 </p:presentation>
 </file>
 
@@ -256,7 +261,7 @@
           <a:p>
             <a:fld id="{41C7709F-3979-40BD-9134-70593DAB5F64}" type="datetimeFigureOut">
               <a:rPr lang="en-SE" smtClean="0"/>
-              <a:t>2021-04-14</a:t>
+              <a:t>2021-04-17</a:t>
             </a:fld>
             <a:endParaRPr lang="en-SE"/>
           </a:p>
@@ -456,7 +461,7 @@
           <a:p>
             <a:fld id="{41C7709F-3979-40BD-9134-70593DAB5F64}" type="datetimeFigureOut">
               <a:rPr lang="en-SE" smtClean="0"/>
-              <a:t>2021-04-14</a:t>
+              <a:t>2021-04-17</a:t>
             </a:fld>
             <a:endParaRPr lang="en-SE"/>
           </a:p>
@@ -666,7 +671,7 @@
           <a:p>
             <a:fld id="{41C7709F-3979-40BD-9134-70593DAB5F64}" type="datetimeFigureOut">
               <a:rPr lang="en-SE" smtClean="0"/>
-              <a:t>2021-04-14</a:t>
+              <a:t>2021-04-17</a:t>
             </a:fld>
             <a:endParaRPr lang="en-SE"/>
           </a:p>
@@ -866,7 +871,7 @@
           <a:p>
             <a:fld id="{41C7709F-3979-40BD-9134-70593DAB5F64}" type="datetimeFigureOut">
               <a:rPr lang="en-SE" smtClean="0"/>
-              <a:t>2021-04-14</a:t>
+              <a:t>2021-04-17</a:t>
             </a:fld>
             <a:endParaRPr lang="en-SE"/>
           </a:p>
@@ -1142,7 +1147,7 @@
           <a:p>
             <a:fld id="{41C7709F-3979-40BD-9134-70593DAB5F64}" type="datetimeFigureOut">
               <a:rPr lang="en-SE" smtClean="0"/>
-              <a:t>2021-04-14</a:t>
+              <a:t>2021-04-17</a:t>
             </a:fld>
             <a:endParaRPr lang="en-SE"/>
           </a:p>
@@ -1410,7 +1415,7 @@
           <a:p>
             <a:fld id="{41C7709F-3979-40BD-9134-70593DAB5F64}" type="datetimeFigureOut">
               <a:rPr lang="en-SE" smtClean="0"/>
-              <a:t>2021-04-14</a:t>
+              <a:t>2021-04-17</a:t>
             </a:fld>
             <a:endParaRPr lang="en-SE"/>
           </a:p>
@@ -1825,7 +1830,7 @@
           <a:p>
             <a:fld id="{41C7709F-3979-40BD-9134-70593DAB5F64}" type="datetimeFigureOut">
               <a:rPr lang="en-SE" smtClean="0"/>
-              <a:t>2021-04-14</a:t>
+              <a:t>2021-04-17</a:t>
             </a:fld>
             <a:endParaRPr lang="en-SE"/>
           </a:p>
@@ -1967,7 +1972,7 @@
           <a:p>
             <a:fld id="{41C7709F-3979-40BD-9134-70593DAB5F64}" type="datetimeFigureOut">
               <a:rPr lang="en-SE" smtClean="0"/>
-              <a:t>2021-04-14</a:t>
+              <a:t>2021-04-17</a:t>
             </a:fld>
             <a:endParaRPr lang="en-SE"/>
           </a:p>
@@ -2080,7 +2085,7 @@
           <a:p>
             <a:fld id="{41C7709F-3979-40BD-9134-70593DAB5F64}" type="datetimeFigureOut">
               <a:rPr lang="en-SE" smtClean="0"/>
-              <a:t>2021-04-14</a:t>
+              <a:t>2021-04-17</a:t>
             </a:fld>
             <a:endParaRPr lang="en-SE"/>
           </a:p>
@@ -2393,7 +2398,7 @@
           <a:p>
             <a:fld id="{41C7709F-3979-40BD-9134-70593DAB5F64}" type="datetimeFigureOut">
               <a:rPr lang="en-SE" smtClean="0"/>
-              <a:t>2021-04-14</a:t>
+              <a:t>2021-04-17</a:t>
             </a:fld>
             <a:endParaRPr lang="en-SE"/>
           </a:p>
@@ -2682,7 +2687,7 @@
           <a:p>
             <a:fld id="{41C7709F-3979-40BD-9134-70593DAB5F64}" type="datetimeFigureOut">
               <a:rPr lang="en-SE" smtClean="0"/>
-              <a:t>2021-04-14</a:t>
+              <a:t>2021-04-17</a:t>
             </a:fld>
             <a:endParaRPr lang="en-SE"/>
           </a:p>
@@ -2925,7 +2930,7 @@
           <a:p>
             <a:fld id="{41C7709F-3979-40BD-9134-70593DAB5F64}" type="datetimeFigureOut">
               <a:rPr lang="en-SE" smtClean="0"/>
-              <a:t>2021-04-14</a:t>
+              <a:t>2021-04-17</a:t>
             </a:fld>
             <a:endParaRPr lang="en-SE"/>
           </a:p>
@@ -3688,13 +3693,13 @@
           <a:p>
             <a:r>
               <a:rPr lang="en-US" sz="800" dirty="0"/>
-              <a:t>    “temperature”:  21.321919086422735,</a:t>
+              <a:t>    “temperature”:  102.45413950653939,</a:t>
             </a:r>
           </a:p>
           <a:p>
             <a:r>
               <a:rPr lang="en-US" sz="800" dirty="0"/>
-              <a:t>    “pressure”: …</a:t>
+              <a:t>    “pressure”: 10.279585513403221</a:t>
             </a:r>
           </a:p>
           <a:p>
@@ -3712,13 +3717,13 @@
           <a:p>
             <a:r>
               <a:rPr lang="en-US" sz="800" dirty="0"/>
-              <a:t>    “temperature”: …,</a:t>
+              <a:t>    “temperature”: 21.320672452366292,</a:t>
             </a:r>
           </a:p>
           <a:p>
             <a:r>
               <a:rPr lang="en-US" sz="800" dirty="0"/>
-              <a:t>    “humidity”: …</a:t>
+              <a:t>    “humidity”: 26</a:t>
             </a:r>
           </a:p>
           <a:p>
@@ -3764,8 +3769,8 @@
         </p:nvSpPr>
         <p:spPr>
           <a:xfrm>
-            <a:off x="5617875" y="3882285"/>
-            <a:ext cx="3813087" cy="215444"/>
+            <a:off x="5617876" y="3869280"/>
+            <a:ext cx="3813087" cy="461665"/>
           </a:xfrm>
           <a:prstGeom prst="rect">
             <a:avLst/>
@@ -3784,7 +3789,6 @@
                   <a:srgbClr val="36464E"/>
                 </a:solidFill>
                 <a:effectLst/>
-                <a:latin typeface="Roboto Mono"/>
               </a:rPr>
               <a:t>TS.ADD </a:t>
             </a:r>
@@ -3794,9 +3798,8 @@
                   <a:srgbClr val="36464E"/>
                 </a:solidFill>
                 <a:effectLst/>
-                <a:latin typeface="Roboto Mono"/>
               </a:rPr>
-              <a:t>SimulatedTemperatureSensor</a:t>
+              <a:t>simulated_temperature</a:t>
             </a:r>
             <a:r>
               <a:rPr lang="en-US" sz="800" b="0" i="0" dirty="0">
@@ -3804,14 +3807,166 @@
                   <a:srgbClr val="36464E"/>
                 </a:solidFill>
                 <a:effectLst/>
-                <a:latin typeface="Roboto Mono"/>
               </a:rPr>
-              <a:t> 1618389425031 21.321919086422735</a:t>
+              <a:t> 1618389425031 102.45413950653939</a:t>
+            </a:r>
+          </a:p>
+          <a:p>
+            <a:r>
+              <a:rPr lang="en-US" sz="800" b="0" i="0" dirty="0">
+                <a:solidFill>
+                  <a:srgbClr val="36464E"/>
+                </a:solidFill>
+                <a:effectLst/>
+              </a:rPr>
+              <a:t>TS.ADD </a:t>
+            </a:r>
+            <a:r>
+              <a:rPr lang="en-US" sz="800" b="0" i="0" dirty="0" err="1">
+                <a:solidFill>
+                  <a:srgbClr val="36464E"/>
+                </a:solidFill>
+                <a:effectLst/>
+              </a:rPr>
+              <a:t>simulated_pressure</a:t>
+            </a:r>
+            <a:r>
+              <a:rPr lang="en-US" sz="800" b="0" i="0" dirty="0">
+                <a:solidFill>
+                  <a:srgbClr val="36464E"/>
+                </a:solidFill>
+                <a:effectLst/>
+              </a:rPr>
+              <a:t> 1618389425031 </a:t>
+            </a:r>
+            <a:r>
+              <a:rPr lang="en-US" sz="800" dirty="0"/>
+              <a:t>10.279585513403221</a:t>
             </a:r>
             <a:endParaRPr lang="en-SE" sz="800" dirty="0"/>
           </a:p>
-        </p:txBody>
-      </p:sp>
+          <a:p>
+            <a:r>
+              <a:rPr lang="en-US" sz="800" b="0" i="0" dirty="0">
+                <a:solidFill>
+                  <a:srgbClr val="36464E"/>
+                </a:solidFill>
+                <a:effectLst/>
+              </a:rPr>
+              <a:t>TS.ADD </a:t>
+            </a:r>
+            <a:r>
+              <a:rPr lang="en-US" sz="800" b="0" i="0" dirty="0" err="1">
+                <a:solidFill>
+                  <a:srgbClr val="36464E"/>
+                </a:solidFill>
+                <a:effectLst/>
+              </a:rPr>
+              <a:t>simulated_humidity</a:t>
+            </a:r>
+            <a:r>
+              <a:rPr lang="en-US" sz="800" b="0" i="0" dirty="0">
+                <a:solidFill>
+                  <a:srgbClr val="36464E"/>
+                </a:solidFill>
+                <a:effectLst/>
+              </a:rPr>
+              <a:t> 1618389425031 26</a:t>
+            </a:r>
+            <a:endParaRPr lang="en-SE" sz="800" dirty="0"/>
+          </a:p>
+        </p:txBody>
+      </p:sp>
+      <p:pic>
+        <p:nvPicPr>
+          <p:cNvPr id="3" name="Picture 2" descr="Best Alternatives to Grafana (4+ Similar Products as of 2021)">
+            <a:extLst>
+              <a:ext uri="{FF2B5EF4-FFF2-40B4-BE49-F238E27FC236}">
+                <a16:creationId xmlns:a16="http://schemas.microsoft.com/office/drawing/2014/main" id="{9CE2383B-C593-4901-A8DE-557ABA1557BE}"/>
+              </a:ext>
+            </a:extLst>
+          </p:cNvPr>
+          <p:cNvPicPr>
+            <a:picLocks noChangeAspect="1" noChangeArrowheads="1"/>
+          </p:cNvPicPr>
+          <p:nvPr/>
+        </p:nvPicPr>
+        <p:blipFill>
+          <a:blip r:embed="rId7">
+            <a:extLst>
+              <a:ext uri="{28A0092B-C50C-407E-A947-70E740481C1C}">
+                <a14:useLocalDpi xmlns:a14="http://schemas.microsoft.com/office/drawing/2010/main" val="0"/>
+              </a:ext>
+            </a:extLst>
+          </a:blip>
+          <a:srcRect/>
+          <a:stretch>
+            <a:fillRect/>
+          </a:stretch>
+        </p:blipFill>
+        <p:spPr bwMode="auto">
+          <a:xfrm>
+            <a:off x="8580965" y="4782292"/>
+            <a:ext cx="1440000" cy="1440000"/>
+          </a:xfrm>
+          <a:prstGeom prst="rect">
+            <a:avLst/>
+          </a:prstGeom>
+          <a:noFill/>
+          <a:extLst>
+            <a:ext uri="{909E8E84-426E-40DD-AFC4-6F175D3DCCD1}">
+              <a14:hiddenFill xmlns:a14="http://schemas.microsoft.com/office/drawing/2010/main">
+                <a:solidFill>
+                  <a:srgbClr val="FFFFFF"/>
+                </a:solidFill>
+              </a14:hiddenFill>
+            </a:ext>
+          </a:extLst>
+        </p:spPr>
+      </p:pic>
+      <p:cxnSp>
+        <p:nvCxnSpPr>
+          <p:cNvPr id="5" name="Straight Arrow Connector 4">
+            <a:extLst>
+              <a:ext uri="{FF2B5EF4-FFF2-40B4-BE49-F238E27FC236}">
+                <a16:creationId xmlns:a16="http://schemas.microsoft.com/office/drawing/2014/main" id="{B7AC8AB4-74B3-4769-9B08-50AFAAA5C47B}"/>
+              </a:ext>
+            </a:extLst>
+          </p:cNvPr>
+          <p:cNvCxnSpPr>
+            <a:cxnSpLocks/>
+            <a:stCxn id="8" idx="3"/>
+            <a:endCxn id="3" idx="1"/>
+          </p:cNvCxnSpPr>
+          <p:nvPr/>
+        </p:nvCxnSpPr>
+        <p:spPr>
+          <a:xfrm>
+            <a:off x="6362704" y="5502292"/>
+            <a:ext cx="2218261" cy="0"/>
+          </a:xfrm>
+          <a:prstGeom prst="straightConnector1">
+            <a:avLst/>
+          </a:prstGeom>
+          <a:ln>
+            <a:tailEnd type="triangle"/>
+          </a:ln>
+        </p:spPr>
+        <p:style>
+          <a:lnRef idx="1">
+            <a:schemeClr val="accent1"/>
+          </a:lnRef>
+          <a:fillRef idx="0">
+            <a:schemeClr val="accent1"/>
+          </a:fillRef>
+          <a:effectRef idx="0">
+            <a:schemeClr val="accent1"/>
+          </a:effectRef>
+          <a:fontRef idx="minor">
+            <a:schemeClr val="tx1"/>
+          </a:fontRef>
+        </p:style>
+      </p:cxnSp>
     </p:spTree>
     <p:extLst>
       <p:ext uri="{BB962C8B-B14F-4D97-AF65-F5344CB8AC3E}">

--- a/images/dataflow.pptx
+++ b/images/dataflow.pptx
@@ -3735,15 +3735,7 @@
           <a:p>
             <a:r>
               <a:rPr lang="en-US" sz="800" dirty="0"/>
-              <a:t>  “</a:t>
-            </a:r>
-            <a:r>
-              <a:rPr lang="en-US" sz="800" dirty="0" err="1"/>
-              <a:t>timeCreated</a:t>
-            </a:r>
-            <a:r>
-              <a:rPr lang="en-US" sz="800" dirty="0"/>
-              <a:t>”: “UTC iso format”</a:t>
+              <a:t>  “timeCreated”: “UTC iso format”</a:t>
             </a:r>
           </a:p>
           <a:p>
@@ -3769,8 +3761,8 @@
         </p:nvSpPr>
         <p:spPr>
           <a:xfrm>
-            <a:off x="5617876" y="3869280"/>
-            <a:ext cx="3813087" cy="461665"/>
+            <a:off x="5617877" y="3869280"/>
+            <a:ext cx="3171064" cy="461665"/>
           </a:xfrm>
           <a:prstGeom prst="rect">
             <a:avLst/>
@@ -3790,17 +3782,10 @@
                 </a:solidFill>
                 <a:effectLst/>
               </a:rPr>
-              <a:t>TS.ADD </a:t>
-            </a:r>
-            <a:r>
-              <a:rPr lang="en-US" sz="800" b="0" i="0" dirty="0" err="1">
-                <a:solidFill>
-                  <a:srgbClr val="36464E"/>
-                </a:solidFill>
-                <a:effectLst/>
-              </a:rPr>
-              <a:t>simulated_temperature</a:t>
-            </a:r>
+              <a:t>TS.ADD simulated_temperature 1618389425031 102.45413950653939</a:t>
+            </a:r>
+          </a:p>
+          <a:p>
             <a:r>
               <a:rPr lang="en-US" sz="800" b="0" i="0" dirty="0">
                 <a:solidFill>
@@ -3808,8 +3793,13 @@
                 </a:solidFill>
                 <a:effectLst/>
               </a:rPr>
-              <a:t> 1618389425031 102.45413950653939</a:t>
-            </a:r>
+              <a:t>TS.ADD simulated_pressure 1618389425031 </a:t>
+            </a:r>
+            <a:r>
+              <a:rPr lang="en-US" sz="800" dirty="0"/>
+              <a:t>10.279585513403221</a:t>
+            </a:r>
+            <a:endParaRPr lang="en-SE" sz="800" dirty="0"/>
           </a:p>
           <a:p>
             <a:r>
@@ -3819,59 +3809,7 @@
                 </a:solidFill>
                 <a:effectLst/>
               </a:rPr>
-              <a:t>TS.ADD </a:t>
-            </a:r>
-            <a:r>
-              <a:rPr lang="en-US" sz="800" b="0" i="0" dirty="0" err="1">
-                <a:solidFill>
-                  <a:srgbClr val="36464E"/>
-                </a:solidFill>
-                <a:effectLst/>
-              </a:rPr>
-              <a:t>simulated_pressure</a:t>
-            </a:r>
-            <a:r>
-              <a:rPr lang="en-US" sz="800" b="0" i="0" dirty="0">
-                <a:solidFill>
-                  <a:srgbClr val="36464E"/>
-                </a:solidFill>
-                <a:effectLst/>
-              </a:rPr>
-              <a:t> 1618389425031 </a:t>
-            </a:r>
-            <a:r>
-              <a:rPr lang="en-US" sz="800" dirty="0"/>
-              <a:t>10.279585513403221</a:t>
-            </a:r>
-            <a:endParaRPr lang="en-SE" sz="800" dirty="0"/>
-          </a:p>
-          <a:p>
-            <a:r>
-              <a:rPr lang="en-US" sz="800" b="0" i="0" dirty="0">
-                <a:solidFill>
-                  <a:srgbClr val="36464E"/>
-                </a:solidFill>
-                <a:effectLst/>
-              </a:rPr>
-              <a:t>TS.ADD </a:t>
-            </a:r>
-            <a:r>
-              <a:rPr lang="en-US" sz="800" b="0" i="0" dirty="0" err="1">
-                <a:solidFill>
-                  <a:srgbClr val="36464E"/>
-                </a:solidFill>
-                <a:effectLst/>
-              </a:rPr>
-              <a:t>simulated_humidity</a:t>
-            </a:r>
-            <a:r>
-              <a:rPr lang="en-US" sz="800" b="0" i="0" dirty="0">
-                <a:solidFill>
-                  <a:srgbClr val="36464E"/>
-                </a:solidFill>
-                <a:effectLst/>
-              </a:rPr>
-              <a:t> 1618389425031 26</a:t>
+              <a:t>TS.ADD simulated_humidity 1618389425031 26</a:t>
             </a:r>
             <a:endParaRPr lang="en-SE" sz="800" dirty="0"/>
           </a:p>
@@ -3967,6 +3905,87 @@
           </a:fontRef>
         </p:style>
       </p:cxnSp>
+      <p:cxnSp>
+        <p:nvCxnSpPr>
+          <p:cNvPr id="7" name="Connector: Elbow 6">
+            <a:extLst>
+              <a:ext uri="{FF2B5EF4-FFF2-40B4-BE49-F238E27FC236}">
+                <a16:creationId xmlns:a16="http://schemas.microsoft.com/office/drawing/2014/main" id="{5A941EB4-0CD7-4C8A-A206-E14287986135}"/>
+              </a:ext>
+            </a:extLst>
+          </p:cNvPr>
+          <p:cNvCxnSpPr>
+            <a:cxnSpLocks/>
+            <a:stCxn id="6" idx="0"/>
+            <a:endCxn id="2" idx="0"/>
+          </p:cNvCxnSpPr>
+          <p:nvPr/>
+        </p:nvCxnSpPr>
+        <p:spPr>
+          <a:xfrm rot="16200000" flipV="1">
+            <a:off x="7459421" y="96185"/>
+            <a:ext cx="12700" cy="3683088"/>
+          </a:xfrm>
+          <a:prstGeom prst="bentConnector3">
+            <a:avLst>
+              <a:gd name="adj1" fmla="val 1800000"/>
+            </a:avLst>
+          </a:prstGeom>
+          <a:ln>
+            <a:tailEnd type="triangle"/>
+          </a:ln>
+        </p:spPr>
+        <p:style>
+          <a:lnRef idx="1">
+            <a:schemeClr val="accent1"/>
+          </a:lnRef>
+          <a:fillRef idx="0">
+            <a:schemeClr val="accent1"/>
+          </a:fillRef>
+          <a:effectRef idx="0">
+            <a:schemeClr val="accent1"/>
+          </a:effectRef>
+          <a:fontRef idx="minor">
+            <a:schemeClr val="tx1"/>
+          </a:fontRef>
+        </p:style>
+      </p:cxnSp>
+      <p:sp>
+        <p:nvSpPr>
+          <p:cNvPr id="12" name="TextBox 11">
+            <a:extLst>
+              <a:ext uri="{FF2B5EF4-FFF2-40B4-BE49-F238E27FC236}">
+                <a16:creationId xmlns:a16="http://schemas.microsoft.com/office/drawing/2014/main" id="{9321A6C8-5EB2-4252-A845-6A75629513A0}"/>
+              </a:ext>
+            </a:extLst>
+          </p:cNvPr>
+          <p:cNvSpPr txBox="1"/>
+          <p:nvPr/>
+        </p:nvSpPr>
+        <p:spPr>
+          <a:xfrm>
+            <a:off x="7172093" y="1511784"/>
+            <a:ext cx="979686" cy="222198"/>
+          </a:xfrm>
+          <a:prstGeom prst="rect">
+            <a:avLst/>
+          </a:prstGeom>
+          <a:noFill/>
+        </p:spPr>
+        <p:txBody>
+          <a:bodyPr wrap="square" rtlCol="0">
+            <a:spAutoFit/>
+          </a:bodyPr>
+          <a:lstStyle/>
+          <a:p>
+            <a:r>
+              <a:rPr lang="en-US" sz="800" dirty="0"/>
+              <a:t>GetTimeSeriesInfo</a:t>
+            </a:r>
+            <a:endParaRPr lang="en-SE" sz="800" dirty="0"/>
+          </a:p>
+        </p:txBody>
+      </p:sp>
     </p:spTree>
     <p:extLst>
       <p:ext uri="{BB962C8B-B14F-4D97-AF65-F5344CB8AC3E}">
